--- a/발표자료/chatbot_wooriggiri_이환희.pptx
+++ b/발표자료/chatbot_wooriggiri_이환희.pptx
@@ -281,7 +281,7 @@
           <a:p>
             <a:fld id="{38625AE7-4F4F-447B-B000-F35D054D4BD8}" type="datetimeFigureOut">
               <a:rPr lang="ko-KR" altLang="en-US" smtClean="0"/>
-              <a:t>2024-06-03</a:t>
+              <a:t>2024-06-30</a:t>
             </a:fld>
             <a:endParaRPr lang="ko-KR" altLang="en-US"/>
           </a:p>
@@ -479,7 +479,7 @@
           <a:p>
             <a:fld id="{38625AE7-4F4F-447B-B000-F35D054D4BD8}" type="datetimeFigureOut">
               <a:rPr lang="ko-KR" altLang="en-US" smtClean="0"/>
-              <a:t>2024-06-03</a:t>
+              <a:t>2024-06-30</a:t>
             </a:fld>
             <a:endParaRPr lang="ko-KR" altLang="en-US"/>
           </a:p>
@@ -687,7 +687,7 @@
           <a:p>
             <a:fld id="{38625AE7-4F4F-447B-B000-F35D054D4BD8}" type="datetimeFigureOut">
               <a:rPr lang="ko-KR" altLang="en-US" smtClean="0"/>
-              <a:t>2024-06-03</a:t>
+              <a:t>2024-06-30</a:t>
             </a:fld>
             <a:endParaRPr lang="ko-KR" altLang="en-US"/>
           </a:p>
@@ -1026,7 +1026,7 @@
           <a:p>
             <a:fld id="{38625AE7-4F4F-447B-B000-F35D054D4BD8}" type="datetimeFigureOut">
               <a:rPr lang="ko-KR" altLang="en-US" smtClean="0"/>
-              <a:t>2024-06-03</a:t>
+              <a:t>2024-06-30</a:t>
             </a:fld>
             <a:endParaRPr lang="ko-KR" altLang="en-US"/>
           </a:p>
@@ -1301,7 +1301,7 @@
           <a:p>
             <a:fld id="{38625AE7-4F4F-447B-B000-F35D054D4BD8}" type="datetimeFigureOut">
               <a:rPr lang="ko-KR" altLang="en-US" smtClean="0"/>
-              <a:t>2024-06-03</a:t>
+              <a:t>2024-06-30</a:t>
             </a:fld>
             <a:endParaRPr lang="ko-KR" altLang="en-US"/>
           </a:p>
@@ -1566,7 +1566,7 @@
           <a:p>
             <a:fld id="{38625AE7-4F4F-447B-B000-F35D054D4BD8}" type="datetimeFigureOut">
               <a:rPr lang="ko-KR" altLang="en-US" smtClean="0"/>
-              <a:t>2024-06-03</a:t>
+              <a:t>2024-06-30</a:t>
             </a:fld>
             <a:endParaRPr lang="ko-KR" altLang="en-US"/>
           </a:p>
@@ -1978,7 +1978,7 @@
           <a:p>
             <a:fld id="{38625AE7-4F4F-447B-B000-F35D054D4BD8}" type="datetimeFigureOut">
               <a:rPr lang="ko-KR" altLang="en-US" smtClean="0"/>
-              <a:t>2024-06-03</a:t>
+              <a:t>2024-06-30</a:t>
             </a:fld>
             <a:endParaRPr lang="ko-KR" altLang="en-US"/>
           </a:p>
@@ -2119,7 +2119,7 @@
           <a:p>
             <a:fld id="{38625AE7-4F4F-447B-B000-F35D054D4BD8}" type="datetimeFigureOut">
               <a:rPr lang="ko-KR" altLang="en-US" smtClean="0"/>
-              <a:t>2024-06-03</a:t>
+              <a:t>2024-06-30</a:t>
             </a:fld>
             <a:endParaRPr lang="ko-KR" altLang="en-US"/>
           </a:p>
@@ -2232,7 +2232,7 @@
           <a:p>
             <a:fld id="{38625AE7-4F4F-447B-B000-F35D054D4BD8}" type="datetimeFigureOut">
               <a:rPr lang="ko-KR" altLang="en-US" smtClean="0"/>
-              <a:t>2024-06-03</a:t>
+              <a:t>2024-06-30</a:t>
             </a:fld>
             <a:endParaRPr lang="ko-KR" altLang="en-US"/>
           </a:p>
@@ -2543,7 +2543,7 @@
           <a:p>
             <a:fld id="{38625AE7-4F4F-447B-B000-F35D054D4BD8}" type="datetimeFigureOut">
               <a:rPr lang="ko-KR" altLang="en-US" smtClean="0"/>
-              <a:t>2024-06-03</a:t>
+              <a:t>2024-06-30</a:t>
             </a:fld>
             <a:endParaRPr lang="ko-KR" altLang="en-US"/>
           </a:p>
@@ -2831,7 +2831,7 @@
           <a:p>
             <a:fld id="{38625AE7-4F4F-447B-B000-F35D054D4BD8}" type="datetimeFigureOut">
               <a:rPr lang="ko-KR" altLang="en-US" smtClean="0"/>
-              <a:t>2024-06-03</a:t>
+              <a:t>2024-06-30</a:t>
             </a:fld>
             <a:endParaRPr lang="ko-KR" altLang="en-US"/>
           </a:p>
@@ -3072,7 +3072,7 @@
           <a:p>
             <a:fld id="{38625AE7-4F4F-447B-B000-F35D054D4BD8}" type="datetimeFigureOut">
               <a:rPr lang="ko-KR" altLang="en-US" smtClean="0"/>
-              <a:t>2024-06-03</a:t>
+              <a:t>2024-06-30</a:t>
             </a:fld>
             <a:endParaRPr lang="ko-KR" altLang="en-US"/>
           </a:p>
